--- a/PL/teams/[1] Primera entrega/[2] Segunda fase/Tarificación/Tarificacion.pptx
+++ b/PL/teams/[1] Primera entrega/[2] Segunda fase/Tarificación/Tarificacion.pptx
@@ -11644,8 +11644,8 @@
 </file>
 
 <file path=customXml/item6.xml><?xml version="1.0" encoding="utf-8"?>
-<ct:contentTypeSchema xmlns:ct="http://schemas.microsoft.com/office/2006/metadata/contentType" xmlns:ma="http://schemas.microsoft.com/office/2006/metadata/properties/metaAttributes" ct:_="" ma:_="" ma:contentTypeName="Documento" ma:contentTypeID="0x01010083760B57A9050A41B8ECD167852D12BD" ma:contentTypeVersion="10" ma:contentTypeDescription="Crear nuevo documento." ma:contentTypeScope="" ma:versionID="017522e0e390b4dcd5dea7a453392f87">
-  <xsd:schema xmlns:xsd="http://www.w3.org/2001/XMLSchema" xmlns:xs="http://www.w3.org/2001/XMLSchema" xmlns:p="http://schemas.microsoft.com/office/2006/metadata/properties" xmlns:ns2="101eaf33-1701-464d-baef-164c6127d51f" xmlns:ns3="4c77c7d1-2bb2-481b-aefe-101f32e9588a" targetNamespace="http://schemas.microsoft.com/office/2006/metadata/properties" ma:root="true" ma:fieldsID="67a159c79527be19bfac14fe95fc99df" ns2:_="" ns3:_="">
+<ct:contentTypeSchema xmlns:ct="http://schemas.microsoft.com/office/2006/metadata/contentType" xmlns:ma="http://schemas.microsoft.com/office/2006/metadata/properties/metaAttributes" ct:_="" ma:_="" ma:contentTypeName="Documento" ma:contentTypeID="0x01010083760B57A9050A41B8ECD167852D12BD" ma:contentTypeVersion="13" ma:contentTypeDescription="Crear nuevo documento." ma:contentTypeScope="" ma:versionID="eac238aecdab541038108c888c49e31e">
+  <xsd:schema xmlns:xsd="http://www.w3.org/2001/XMLSchema" xmlns:xs="http://www.w3.org/2001/XMLSchema" xmlns:p="http://schemas.microsoft.com/office/2006/metadata/properties" xmlns:ns2="101eaf33-1701-464d-baef-164c6127d51f" xmlns:ns3="4c77c7d1-2bb2-481b-aefe-101f32e9588a" targetNamespace="http://schemas.microsoft.com/office/2006/metadata/properties" ma:root="true" ma:fieldsID="efe92b1ac631852ba9ae12b231089a75" ns2:_="" ns3:_="">
     <xsd:import namespace="101eaf33-1701-464d-baef-164c6127d51f"/>
     <xsd:import namespace="4c77c7d1-2bb2-481b-aefe-101f32e9588a"/>
     <xsd:element name="properties">
@@ -11663,6 +11663,9 @@
                 <xsd:element ref="ns2:MediaServiceOCR" minOccurs="0"/>
                 <xsd:element ref="ns2:MediaServiceGenerationTime" minOccurs="0"/>
                 <xsd:element ref="ns2:MediaServiceEventHashCode" minOccurs="0"/>
+                <xsd:element ref="ns2:MediaServiceDateTaken" minOccurs="0"/>
+                <xsd:element ref="ns3:SharedWithUsers" minOccurs="0"/>
+                <xsd:element ref="ns3:SharedWithDetails" minOccurs="0"/>
               </xsd:all>
             </xsd:complexType>
           </xsd:element>
@@ -11717,6 +11720,11 @@
         <xsd:restriction base="dms:Text"/>
       </xsd:simpleType>
     </xsd:element>
+    <xsd:element name="MediaServiceDateTaken" ma:index="18" nillable="true" ma:displayName="MediaServiceDateTaken" ma:hidden="true" ma:indexed="true" ma:internalName="MediaServiceDateTaken" ma:readOnly="true">
+      <xsd:simpleType>
+        <xsd:restriction base="dms:Text"/>
+      </xsd:simpleType>
+    </xsd:element>
   </xsd:schema>
   <xsd:schema xmlns:xsd="http://www.w3.org/2001/XMLSchema" xmlns:xs="http://www.w3.org/2001/XMLSchema" xmlns:dms="http://schemas.microsoft.com/office/2006/documentManagement/types" xmlns:pc="http://schemas.microsoft.com/office/infopath/2007/PartnerControls" targetNamespace="4c77c7d1-2bb2-481b-aefe-101f32e9588a" elementFormDefault="qualified">
     <xsd:import namespace="http://schemas.microsoft.com/office/2006/documentManagement/types"/>
@@ -11731,6 +11739,32 @@
           </xsd:extension>
         </xsd:complexContent>
       </xsd:complexType>
+    </xsd:element>
+    <xsd:element name="SharedWithUsers" ma:index="19" nillable="true" ma:displayName="Compartido con" ma:internalName="SharedWithUsers" ma:readOnly="true">
+      <xsd:complexType>
+        <xsd:complexContent>
+          <xsd:extension base="dms:UserMulti">
+            <xsd:sequence>
+              <xsd:element name="UserInfo" minOccurs="0" maxOccurs="unbounded">
+                <xsd:complexType>
+                  <xsd:sequence>
+                    <xsd:element name="DisplayName" type="xsd:string" minOccurs="0"/>
+                    <xsd:element name="AccountId" type="dms:UserId" minOccurs="0" nillable="true"/>
+                    <xsd:element name="AccountType" type="xsd:string" minOccurs="0"/>
+                  </xsd:sequence>
+                </xsd:complexType>
+              </xsd:element>
+            </xsd:sequence>
+          </xsd:extension>
+        </xsd:complexContent>
+      </xsd:complexType>
+    </xsd:element>
+    <xsd:element name="SharedWithDetails" ma:index="20" nillable="true" ma:displayName="Detalles de uso compartido" ma:internalName="SharedWithDetails" ma:readOnly="true">
+      <xsd:simpleType>
+        <xsd:restriction base="dms:Note">
+          <xsd:maxLength value="255"/>
+        </xsd:restriction>
+      </xsd:simpleType>
     </xsd:element>
   </xsd:schema>
   <xsd:schema xmlns="http://schemas.openxmlformats.org/package/2006/metadata/core-properties" xmlns:xsd="http://www.w3.org/2001/XMLSchema" xmlns:xsi="http://www.w3.org/2001/XMLSchema-instance" xmlns:dc="http://purl.org/dc/elements/1.1/" xmlns:dcterms="http://purl.org/dc/terms/" xmlns:odoc="http://schemas.microsoft.com/internal/obd" targetNamespace="http://schemas.openxmlformats.org/package/2006/metadata/core-properties" elementFormDefault="qualified" attributeFormDefault="unqualified" blockDefault="#all">
@@ -11890,20 +11924,5 @@
 </file>
 
 <file path=customXml/itemProps6.xml><?xml version="1.0" encoding="utf-8"?>
-<ds:datastoreItem xmlns:ds="http://schemas.openxmlformats.org/officeDocument/2006/customXml" ds:itemID="{15A7045F-FE89-4907-8BD1-09FE476E46F1}">
-  <ds:schemaRefs>
-    <ds:schemaRef ds:uri="http://schemas.microsoft.com/office/2006/metadata/contentType"/>
-    <ds:schemaRef ds:uri="http://schemas.microsoft.com/office/2006/metadata/properties/metaAttributes"/>
-    <ds:schemaRef ds:uri="http://www.w3.org/2001/XMLSchema"/>
-    <ds:schemaRef ds:uri="http://schemas.microsoft.com/office/2006/metadata/properties"/>
-    <ds:schemaRef ds:uri="101eaf33-1701-464d-baef-164c6127d51f"/>
-    <ds:schemaRef ds:uri="4c77c7d1-2bb2-481b-aefe-101f32e9588a"/>
-    <ds:schemaRef ds:uri="http://schemas.microsoft.com/office/2006/documentManagement/types"/>
-    <ds:schemaRef ds:uri="http://schemas.microsoft.com/office/infopath/2007/PartnerControls"/>
-    <ds:schemaRef ds:uri="http://schemas.openxmlformats.org/package/2006/metadata/core-properties"/>
-    <ds:schemaRef ds:uri="http://purl.org/dc/elements/1.1/"/>
-    <ds:schemaRef ds:uri="http://purl.org/dc/terms/"/>
-    <ds:schemaRef ds:uri="http://schemas.microsoft.com/internal/obd"/>
-  </ds:schemaRefs>
-</ds:datastoreItem>
+<ds:datastoreItem xmlns:ds="http://schemas.openxmlformats.org/officeDocument/2006/customXml" ds:itemID="{3DAE34D5-6B0D-49F8-8B87-A3AA74793FD4}"/>
 </file>